--- a/project.pptx
+++ b/project.pptx
@@ -110,7 +110,7 @@
   </p:defaultTextStyle>
   <p:extLst>
     <p:ext uri="{521415D9-36F7-43E2-AB2F-B90AF26B5E84}">
-      <p14:sectionLst xmlns:p14="http://schemas.microsoft.com/office/powerpoint/2010/main">
+      <p14:sectionLst xmlns:p14="http://schemas.microsoft.com/office/powerpoint/2010/main" xmlns="">
         <p14:section name="Раздел по умолчанию" id="{D05EB0EF-B3C9-45D0-BB3B-FAB26E2945DB}">
           <p14:sldIdLst>
             <p14:sldId id="256"/>
@@ -307,7 +307,8 @@
           <a:p>
             <a:fld id="{B4C71EC6-210F-42DE-9C53-41977AD35B3D}" type="datetimeFigureOut">
               <a:rPr lang="ru-RU" smtClean="0"/>
-              <a:t>25.12.2018</a:t>
+              <a:pPr/>
+              <a:t>26.12.2018</a:t>
             </a:fld>
             <a:endParaRPr lang="ru-RU"/>
           </a:p>
@@ -349,6 +350,7 @@
           <a:p>
             <a:fld id="{B19B0651-EE4F-4900-A07F-96A6BFA9D0F0}" type="slidenum">
               <a:rPr lang="ru-RU" smtClean="0"/>
+              <a:pPr/>
               <a:t>‹#›</a:t>
             </a:fld>
             <a:endParaRPr lang="ru-RU"/>
@@ -472,7 +474,8 @@
           <a:p>
             <a:fld id="{B4C71EC6-210F-42DE-9C53-41977AD35B3D}" type="datetimeFigureOut">
               <a:rPr lang="ru-RU" smtClean="0"/>
-              <a:t>25.12.2018</a:t>
+              <a:pPr/>
+              <a:t>26.12.2018</a:t>
             </a:fld>
             <a:endParaRPr lang="ru-RU"/>
           </a:p>
@@ -514,6 +517,7 @@
           <a:p>
             <a:fld id="{B19B0651-EE4F-4900-A07F-96A6BFA9D0F0}" type="slidenum">
               <a:rPr lang="ru-RU" smtClean="0"/>
+              <a:pPr/>
               <a:t>‹#›</a:t>
             </a:fld>
             <a:endParaRPr lang="ru-RU"/>
@@ -647,7 +651,8 @@
           <a:p>
             <a:fld id="{B4C71EC6-210F-42DE-9C53-41977AD35B3D}" type="datetimeFigureOut">
               <a:rPr lang="ru-RU" smtClean="0"/>
-              <a:t>25.12.2018</a:t>
+              <a:pPr/>
+              <a:t>26.12.2018</a:t>
             </a:fld>
             <a:endParaRPr lang="ru-RU"/>
           </a:p>
@@ -689,6 +694,7 @@
           <a:p>
             <a:fld id="{B19B0651-EE4F-4900-A07F-96A6BFA9D0F0}" type="slidenum">
               <a:rPr lang="ru-RU" smtClean="0"/>
+              <a:pPr/>
               <a:t>‹#›</a:t>
             </a:fld>
             <a:endParaRPr lang="ru-RU"/>
@@ -812,7 +818,8 @@
           <a:p>
             <a:fld id="{B4C71EC6-210F-42DE-9C53-41977AD35B3D}" type="datetimeFigureOut">
               <a:rPr lang="ru-RU" smtClean="0"/>
-              <a:t>25.12.2018</a:t>
+              <a:pPr/>
+              <a:t>26.12.2018</a:t>
             </a:fld>
             <a:endParaRPr lang="ru-RU"/>
           </a:p>
@@ -854,6 +861,7 @@
           <a:p>
             <a:fld id="{B19B0651-EE4F-4900-A07F-96A6BFA9D0F0}" type="slidenum">
               <a:rPr lang="ru-RU" smtClean="0"/>
+              <a:pPr/>
               <a:t>‹#›</a:t>
             </a:fld>
             <a:endParaRPr lang="ru-RU"/>
@@ -1053,7 +1061,8 @@
           <a:p>
             <a:fld id="{B4C71EC6-210F-42DE-9C53-41977AD35B3D}" type="datetimeFigureOut">
               <a:rPr lang="ru-RU" smtClean="0"/>
-              <a:t>25.12.2018</a:t>
+              <a:pPr/>
+              <a:t>26.12.2018</a:t>
             </a:fld>
             <a:endParaRPr lang="ru-RU"/>
           </a:p>
@@ -1095,6 +1104,7 @@
           <a:p>
             <a:fld id="{B19B0651-EE4F-4900-A07F-96A6BFA9D0F0}" type="slidenum">
               <a:rPr lang="ru-RU" smtClean="0"/>
+              <a:pPr/>
               <a:t>‹#›</a:t>
             </a:fld>
             <a:endParaRPr lang="ru-RU"/>
@@ -1336,7 +1346,8 @@
           <a:p>
             <a:fld id="{B4C71EC6-210F-42DE-9C53-41977AD35B3D}" type="datetimeFigureOut">
               <a:rPr lang="ru-RU" smtClean="0"/>
-              <a:t>25.12.2018</a:t>
+              <a:pPr/>
+              <a:t>26.12.2018</a:t>
             </a:fld>
             <a:endParaRPr lang="ru-RU"/>
           </a:p>
@@ -1378,6 +1389,7 @@
           <a:p>
             <a:fld id="{B19B0651-EE4F-4900-A07F-96A6BFA9D0F0}" type="slidenum">
               <a:rPr lang="ru-RU" smtClean="0"/>
+              <a:pPr/>
               <a:t>‹#›</a:t>
             </a:fld>
             <a:endParaRPr lang="ru-RU"/>
@@ -1753,7 +1765,8 @@
           <a:p>
             <a:fld id="{B4C71EC6-210F-42DE-9C53-41977AD35B3D}" type="datetimeFigureOut">
               <a:rPr lang="ru-RU" smtClean="0"/>
-              <a:t>25.12.2018</a:t>
+              <a:pPr/>
+              <a:t>26.12.2018</a:t>
             </a:fld>
             <a:endParaRPr lang="ru-RU"/>
           </a:p>
@@ -1795,6 +1808,7 @@
           <a:p>
             <a:fld id="{B19B0651-EE4F-4900-A07F-96A6BFA9D0F0}" type="slidenum">
               <a:rPr lang="ru-RU" smtClean="0"/>
+              <a:pPr/>
               <a:t>‹#›</a:t>
             </a:fld>
             <a:endParaRPr lang="ru-RU"/>
@@ -1866,7 +1880,8 @@
           <a:p>
             <a:fld id="{B4C71EC6-210F-42DE-9C53-41977AD35B3D}" type="datetimeFigureOut">
               <a:rPr lang="ru-RU" smtClean="0"/>
-              <a:t>25.12.2018</a:t>
+              <a:pPr/>
+              <a:t>26.12.2018</a:t>
             </a:fld>
             <a:endParaRPr lang="ru-RU"/>
           </a:p>
@@ -1908,6 +1923,7 @@
           <a:p>
             <a:fld id="{B19B0651-EE4F-4900-A07F-96A6BFA9D0F0}" type="slidenum">
               <a:rPr lang="ru-RU" smtClean="0"/>
+              <a:pPr/>
               <a:t>‹#›</a:t>
             </a:fld>
             <a:endParaRPr lang="ru-RU"/>
@@ -1956,7 +1972,8 @@
           <a:p>
             <a:fld id="{B4C71EC6-210F-42DE-9C53-41977AD35B3D}" type="datetimeFigureOut">
               <a:rPr lang="ru-RU" smtClean="0"/>
-              <a:t>25.12.2018</a:t>
+              <a:pPr/>
+              <a:t>26.12.2018</a:t>
             </a:fld>
             <a:endParaRPr lang="ru-RU"/>
           </a:p>
@@ -1998,6 +2015,7 @@
           <a:p>
             <a:fld id="{B19B0651-EE4F-4900-A07F-96A6BFA9D0F0}" type="slidenum">
               <a:rPr lang="ru-RU" smtClean="0"/>
+              <a:pPr/>
               <a:t>‹#›</a:t>
             </a:fld>
             <a:endParaRPr lang="ru-RU"/>
@@ -2228,7 +2246,8 @@
           <a:p>
             <a:fld id="{B4C71EC6-210F-42DE-9C53-41977AD35B3D}" type="datetimeFigureOut">
               <a:rPr lang="ru-RU" smtClean="0"/>
-              <a:t>25.12.2018</a:t>
+              <a:pPr/>
+              <a:t>26.12.2018</a:t>
             </a:fld>
             <a:endParaRPr lang="ru-RU"/>
           </a:p>
@@ -2270,6 +2289,7 @@
           <a:p>
             <a:fld id="{B19B0651-EE4F-4900-A07F-96A6BFA9D0F0}" type="slidenum">
               <a:rPr lang="ru-RU" smtClean="0"/>
+              <a:pPr/>
               <a:t>‹#›</a:t>
             </a:fld>
             <a:endParaRPr lang="ru-RU"/>
@@ -2476,7 +2496,8 @@
           <a:p>
             <a:fld id="{B4C71EC6-210F-42DE-9C53-41977AD35B3D}" type="datetimeFigureOut">
               <a:rPr lang="ru-RU" smtClean="0"/>
-              <a:t>25.12.2018</a:t>
+              <a:pPr/>
+              <a:t>26.12.2018</a:t>
             </a:fld>
             <a:endParaRPr lang="ru-RU"/>
           </a:p>
@@ -2518,6 +2539,7 @@
           <a:p>
             <a:fld id="{B19B0651-EE4F-4900-A07F-96A6BFA9D0F0}" type="slidenum">
               <a:rPr lang="ru-RU" smtClean="0"/>
+              <a:pPr/>
               <a:t>‹#›</a:t>
             </a:fld>
             <a:endParaRPr lang="ru-RU"/>
@@ -2684,7 +2706,8 @@
           <a:p>
             <a:fld id="{B4C71EC6-210F-42DE-9C53-41977AD35B3D}" type="datetimeFigureOut">
               <a:rPr lang="ru-RU" smtClean="0"/>
-              <a:t>25.12.2018</a:t>
+              <a:pPr/>
+              <a:t>26.12.2018</a:t>
             </a:fld>
             <a:endParaRPr lang="ru-RU"/>
           </a:p>
@@ -2762,6 +2785,7 @@
           <a:p>
             <a:fld id="{B19B0651-EE4F-4900-A07F-96A6BFA9D0F0}" type="slidenum">
               <a:rPr lang="ru-RU" smtClean="0"/>
+              <a:pPr/>
               <a:t>‹#›</a:t>
             </a:fld>
             <a:endParaRPr lang="ru-RU"/>
@@ -3122,10 +3146,10 @@
           <p:nvPr/>
         </p:nvPicPr>
         <p:blipFill>
-          <a:blip r:embed="rId2">
+          <a:blip r:embed="rId2" cstate="print">
             <a:extLst>
               <a:ext uri="{28A0092B-C50C-407E-A947-70E740481C1C}">
-                <a14:useLocalDpi xmlns:a14="http://schemas.microsoft.com/office/drawing/2010/main" val="0"/>
+                <a14:useLocalDpi xmlns:a14="http://schemas.microsoft.com/office/drawing/2010/main" xmlns="" val="0"/>
               </a:ext>
             </a:extLst>
           </a:blip>
@@ -3150,14 +3174,14 @@
           </a:effectLst>
           <a:extLst>
             <a:ext uri="{909E8E84-426E-40DD-AFC4-6F175D3DCCD1}">
-              <a14:hiddenFill xmlns:a14="http://schemas.microsoft.com/office/drawing/2010/main">
+              <a14:hiddenFill xmlns:a14="http://schemas.microsoft.com/office/drawing/2010/main" xmlns="">
                 <a:solidFill>
                   <a:schemeClr val="accent1"/>
                 </a:solidFill>
               </a14:hiddenFill>
             </a:ext>
             <a:ext uri="{91240B29-F687-4F45-9708-019B960494DF}">
-              <a14:hiddenLine xmlns:a14="http://schemas.microsoft.com/office/drawing/2010/main" w="9525">
+              <a14:hiddenLine xmlns:a14="http://schemas.microsoft.com/office/drawing/2010/main" xmlns="" w="9525">
                 <a:solidFill>
                   <a:schemeClr val="tx1"/>
                 </a:solidFill>
@@ -3167,7 +3191,7 @@
               </a14:hiddenLine>
             </a:ext>
             <a:ext uri="{AF507438-7753-43E0-B8FC-AC1667EBCBE1}">
-              <a14:hiddenEffects xmlns:a14="http://schemas.microsoft.com/office/drawing/2010/main">
+              <a14:hiddenEffects xmlns:a14="http://schemas.microsoft.com/office/drawing/2010/main" xmlns="">
                 <a:effectLst>
                   <a:outerShdw dist="35921" dir="2700000" algn="ctr" rotWithShape="0">
                     <a:schemeClr val="bg2"/>
@@ -3181,7 +3205,7 @@
     </p:spTree>
     <p:extLst>
       <p:ext uri="{BB962C8B-B14F-4D97-AF65-F5344CB8AC3E}">
-        <p14:creationId xmlns:p14="http://schemas.microsoft.com/office/powerpoint/2010/main" val="2774006015"/>
+        <p14:creationId xmlns:p14="http://schemas.microsoft.com/office/powerpoint/2010/main" xmlns="" val="2774006015"/>
       </p:ext>
     </p:extLst>
   </p:cSld>
@@ -3262,10 +3286,10 @@
           <p:nvPr/>
         </p:nvPicPr>
         <p:blipFill>
-          <a:blip r:embed="rId2">
+          <a:blip r:embed="rId2" cstate="print">
             <a:extLst>
               <a:ext uri="{28A0092B-C50C-407E-A947-70E740481C1C}">
-                <a14:useLocalDpi xmlns:a14="http://schemas.microsoft.com/office/drawing/2010/main" val="0"/>
+                <a14:useLocalDpi xmlns:a14="http://schemas.microsoft.com/office/drawing/2010/main" xmlns="" val="0"/>
               </a:ext>
             </a:extLst>
           </a:blip>
@@ -3285,7 +3309,7 @@
           <a:noFill/>
           <a:extLst>
             <a:ext uri="{909E8E84-426E-40DD-AFC4-6F175D3DCCD1}">
-              <a14:hiddenFill xmlns:a14="http://schemas.microsoft.com/office/drawing/2010/main">
+              <a14:hiddenFill xmlns:a14="http://schemas.microsoft.com/office/drawing/2010/main" xmlns="">
                 <a:solidFill>
                   <a:srgbClr val="FFFFFF"/>
                 </a:solidFill>
@@ -3294,10 +3318,83 @@
           </a:extLst>
         </p:spPr>
       </p:pic>
+      <p:sp>
+        <p:nvSpPr>
+          <p:cNvPr id="5" name="Прямоугольник 4"/>
+          <p:cNvSpPr/>
+          <p:nvPr/>
+        </p:nvSpPr>
+        <p:spPr>
+          <a:xfrm>
+            <a:off x="1043608" y="2708920"/>
+            <a:ext cx="1800200" cy="936104"/>
+          </a:xfrm>
+          <a:prstGeom prst="rect">
+            <a:avLst/>
+          </a:prstGeom>
+          <a:ln>
+            <a:solidFill>
+              <a:schemeClr val="bg1"/>
+            </a:solidFill>
+          </a:ln>
+        </p:spPr>
+        <p:style>
+          <a:lnRef idx="2">
+            <a:schemeClr val="dk1"/>
+          </a:lnRef>
+          <a:fillRef idx="1">
+            <a:schemeClr val="lt1"/>
+          </a:fillRef>
+          <a:effectRef idx="0">
+            <a:schemeClr val="dk1"/>
+          </a:effectRef>
+          <a:fontRef idx="minor">
+            <a:schemeClr val="dk1"/>
+          </a:fontRef>
+        </p:style>
+        <p:txBody>
+          <a:bodyPr rtlCol="0" anchor="ctr"/>
+          <a:lstStyle/>
+          <a:p>
+            <a:pPr algn="ctr"/>
+            <a:endParaRPr lang="ru-RU"/>
+          </a:p>
+        </p:txBody>
+      </p:sp>
+      <p:cxnSp>
+        <p:nvCxnSpPr>
+          <p:cNvPr id="9" name="Прямая соединительная линия 8"/>
+          <p:cNvCxnSpPr/>
+          <p:nvPr/>
+        </p:nvCxnSpPr>
+        <p:spPr>
+          <a:xfrm>
+            <a:off x="1835696" y="2636912"/>
+            <a:ext cx="0" cy="1224136"/>
+          </a:xfrm>
+          <a:prstGeom prst="line">
+            <a:avLst/>
+          </a:prstGeom>
+        </p:spPr>
+        <p:style>
+          <a:lnRef idx="2">
+            <a:schemeClr val="dk1"/>
+          </a:lnRef>
+          <a:fillRef idx="0">
+            <a:schemeClr val="dk1"/>
+          </a:fillRef>
+          <a:effectRef idx="1">
+            <a:schemeClr val="dk1"/>
+          </a:effectRef>
+          <a:fontRef idx="minor">
+            <a:schemeClr val="tx1"/>
+          </a:fontRef>
+        </p:style>
+      </p:cxnSp>
     </p:spTree>
     <p:extLst>
       <p:ext uri="{BB962C8B-B14F-4D97-AF65-F5344CB8AC3E}">
-        <p14:creationId xmlns:p14="http://schemas.microsoft.com/office/powerpoint/2010/main" val="4098975203"/>
+        <p14:creationId xmlns:p14="http://schemas.microsoft.com/office/powerpoint/2010/main" xmlns="" val="4098975203"/>
       </p:ext>
     </p:extLst>
   </p:cSld>
@@ -3378,10 +3475,10 @@
           <p:nvPr/>
         </p:nvPicPr>
         <p:blipFill rotWithShape="1">
-          <a:blip r:embed="rId2">
+          <a:blip r:embed="rId2" cstate="print">
             <a:extLst>
               <a:ext uri="{28A0092B-C50C-407E-A947-70E740481C1C}">
-                <a14:useLocalDpi xmlns:a14="http://schemas.microsoft.com/office/drawing/2010/main" val="0"/>
+                <a14:useLocalDpi xmlns:a14="http://schemas.microsoft.com/office/drawing/2010/main" xmlns="" val="0"/>
               </a:ext>
             </a:extLst>
           </a:blip>
@@ -3403,14 +3500,14 @@
           <a:effectLst/>
           <a:extLst>
             <a:ext uri="{909E8E84-426E-40DD-AFC4-6F175D3DCCD1}">
-              <a14:hiddenFill xmlns:a14="http://schemas.microsoft.com/office/drawing/2010/main">
+              <a14:hiddenFill xmlns:a14="http://schemas.microsoft.com/office/drawing/2010/main" xmlns="">
                 <a:solidFill>
                   <a:schemeClr val="accent1"/>
                 </a:solidFill>
               </a14:hiddenFill>
             </a:ext>
             <a:ext uri="{91240B29-F687-4F45-9708-019B960494DF}">
-              <a14:hiddenLine xmlns:a14="http://schemas.microsoft.com/office/drawing/2010/main" w="9525">
+              <a14:hiddenLine xmlns:a14="http://schemas.microsoft.com/office/drawing/2010/main" xmlns="" w="9525">
                 <a:solidFill>
                   <a:schemeClr val="tx1"/>
                 </a:solidFill>
@@ -3420,7 +3517,7 @@
               </a14:hiddenLine>
             </a:ext>
             <a:ext uri="{AF507438-7753-43E0-B8FC-AC1667EBCBE1}">
-              <a14:hiddenEffects xmlns:a14="http://schemas.microsoft.com/office/drawing/2010/main">
+              <a14:hiddenEffects xmlns:a14="http://schemas.microsoft.com/office/drawing/2010/main" xmlns="">
                 <a:effectLst>
                   <a:outerShdw dist="35921" dir="2700000" algn="ctr" rotWithShape="0">
                     <a:schemeClr val="bg2"/>
@@ -3434,7 +3531,7 @@
     </p:spTree>
     <p:extLst>
       <p:ext uri="{BB962C8B-B14F-4D97-AF65-F5344CB8AC3E}">
-        <p14:creationId xmlns:p14="http://schemas.microsoft.com/office/powerpoint/2010/main" val="3568564707"/>
+        <p14:creationId xmlns:p14="http://schemas.microsoft.com/office/powerpoint/2010/main" xmlns="" val="3568564707"/>
       </p:ext>
     </p:extLst>
   </p:cSld>
@@ -3519,10 +3616,10 @@
           <p:nvPr/>
         </p:nvPicPr>
         <p:blipFill rotWithShape="1">
-          <a:blip r:embed="rId2">
+          <a:blip r:embed="rId2" cstate="print">
             <a:extLst>
               <a:ext uri="{28A0092B-C50C-407E-A947-70E740481C1C}">
-                <a14:useLocalDpi xmlns:a14="http://schemas.microsoft.com/office/drawing/2010/main" val="0"/>
+                <a14:useLocalDpi xmlns:a14="http://schemas.microsoft.com/office/drawing/2010/main" xmlns="" val="0"/>
               </a:ext>
             </a:extLst>
           </a:blip>
@@ -3544,14 +3641,14 @@
           <a:effectLst/>
           <a:extLst>
             <a:ext uri="{909E8E84-426E-40DD-AFC4-6F175D3DCCD1}">
-              <a14:hiddenFill xmlns:a14="http://schemas.microsoft.com/office/drawing/2010/main">
+              <a14:hiddenFill xmlns:a14="http://schemas.microsoft.com/office/drawing/2010/main" xmlns="">
                 <a:solidFill>
                   <a:schemeClr val="accent1"/>
                 </a:solidFill>
               </a14:hiddenFill>
             </a:ext>
             <a:ext uri="{91240B29-F687-4F45-9708-019B960494DF}">
-              <a14:hiddenLine xmlns:a14="http://schemas.microsoft.com/office/drawing/2010/main" w="9525">
+              <a14:hiddenLine xmlns:a14="http://schemas.microsoft.com/office/drawing/2010/main" xmlns="" w="9525">
                 <a:solidFill>
                   <a:schemeClr val="tx1"/>
                 </a:solidFill>
@@ -3561,7 +3658,7 @@
               </a14:hiddenLine>
             </a:ext>
             <a:ext uri="{AF507438-7753-43E0-B8FC-AC1667EBCBE1}">
-              <a14:hiddenEffects xmlns:a14="http://schemas.microsoft.com/office/drawing/2010/main">
+              <a14:hiddenEffects xmlns:a14="http://schemas.microsoft.com/office/drawing/2010/main" xmlns="">
                 <a:effectLst>
                   <a:outerShdw dist="35921" dir="2700000" algn="ctr" rotWithShape="0">
                     <a:schemeClr val="bg2"/>
@@ -3575,7 +3672,7 @@
     </p:spTree>
     <p:extLst>
       <p:ext uri="{BB962C8B-B14F-4D97-AF65-F5344CB8AC3E}">
-        <p14:creationId xmlns:p14="http://schemas.microsoft.com/office/powerpoint/2010/main" val="1127871358"/>
+        <p14:creationId xmlns:p14="http://schemas.microsoft.com/office/powerpoint/2010/main" xmlns="" val="1127871358"/>
       </p:ext>
     </p:extLst>
   </p:cSld>
@@ -3639,10 +3736,10 @@
           </p:nvPr>
         </p:nvPicPr>
         <p:blipFill>
-          <a:blip r:embed="rId2">
+          <a:blip r:embed="rId2" cstate="print">
             <a:extLst>
               <a:ext uri="{28A0092B-C50C-407E-A947-70E740481C1C}">
-                <a14:useLocalDpi xmlns:a14="http://schemas.microsoft.com/office/drawing/2010/main" val="0"/>
+                <a14:useLocalDpi xmlns:a14="http://schemas.microsoft.com/office/drawing/2010/main" xmlns="" val="0"/>
               </a:ext>
             </a:extLst>
           </a:blip>
@@ -3723,7 +3820,7 @@
     </p:spTree>
     <p:extLst>
       <p:ext uri="{BB962C8B-B14F-4D97-AF65-F5344CB8AC3E}">
-        <p14:creationId xmlns:p14="http://schemas.microsoft.com/office/powerpoint/2010/main" val="1062202524"/>
+        <p14:creationId xmlns:p14="http://schemas.microsoft.com/office/powerpoint/2010/main" xmlns="" val="1062202524"/>
       </p:ext>
     </p:extLst>
   </p:cSld>

--- a/project.pptx
+++ b/project.pptx
@@ -3371,6 +3371,79 @@
           <a:xfrm>
             <a:off x="1835696" y="2636912"/>
             <a:ext cx="0" cy="1224136"/>
+          </a:xfrm>
+          <a:prstGeom prst="line">
+            <a:avLst/>
+          </a:prstGeom>
+        </p:spPr>
+        <p:style>
+          <a:lnRef idx="2">
+            <a:schemeClr val="dk1"/>
+          </a:lnRef>
+          <a:fillRef idx="0">
+            <a:schemeClr val="dk1"/>
+          </a:fillRef>
+          <a:effectRef idx="1">
+            <a:schemeClr val="dk1"/>
+          </a:effectRef>
+          <a:fontRef idx="minor">
+            <a:schemeClr val="tx1"/>
+          </a:fontRef>
+        </p:style>
+      </p:cxnSp>
+      <p:sp>
+        <p:nvSpPr>
+          <p:cNvPr id="11" name="Прямоугольник 10"/>
+          <p:cNvSpPr/>
+          <p:nvPr/>
+        </p:nvSpPr>
+        <p:spPr>
+          <a:xfrm>
+            <a:off x="3635896" y="4797152"/>
+            <a:ext cx="1800200" cy="936104"/>
+          </a:xfrm>
+          <a:prstGeom prst="rect">
+            <a:avLst/>
+          </a:prstGeom>
+          <a:ln>
+            <a:solidFill>
+              <a:schemeClr val="bg1"/>
+            </a:solidFill>
+          </a:ln>
+        </p:spPr>
+        <p:style>
+          <a:lnRef idx="2">
+            <a:schemeClr val="dk1"/>
+          </a:lnRef>
+          <a:fillRef idx="1">
+            <a:schemeClr val="lt1"/>
+          </a:fillRef>
+          <a:effectRef idx="0">
+            <a:schemeClr val="dk1"/>
+          </a:effectRef>
+          <a:fontRef idx="minor">
+            <a:schemeClr val="dk1"/>
+          </a:fontRef>
+        </p:style>
+        <p:txBody>
+          <a:bodyPr rtlCol="0" anchor="ctr"/>
+          <a:lstStyle/>
+          <a:p>
+            <a:pPr algn="ctr"/>
+            <a:endParaRPr lang="ru-RU"/>
+          </a:p>
+        </p:txBody>
+      </p:sp>
+      <p:cxnSp>
+        <p:nvCxnSpPr>
+          <p:cNvPr id="12" name="Прямая соединительная линия 11"/>
+          <p:cNvCxnSpPr/>
+          <p:nvPr/>
+        </p:nvCxnSpPr>
+        <p:spPr>
+          <a:xfrm>
+            <a:off x="4572000" y="4581128"/>
+            <a:ext cx="0" cy="1296144"/>
           </a:xfrm>
           <a:prstGeom prst="line">
             <a:avLst/>
